--- a/i-AccessSearch Project.pptx
+++ b/i-AccessSearch Project.pptx
@@ -10978,7 +10978,7 @@
         <p:spPr>
           <a:xfrm>
             <a:off x="477110" y="600276"/>
-            <a:ext cx="7638190" cy="1200329"/>
+            <a:ext cx="7638190" cy="2031325"/>
           </a:xfrm>
           <a:prstGeom prst="rect">
             <a:avLst/>
@@ -10995,6 +10995,21 @@
               <a:rPr lang="en-GB" dirty="0"/>
               <a:t>The complete sample code is available in public GIT folder</a:t>
             </a:r>
+          </a:p>
+          <a:p>
+            <a:endParaRPr lang="en-GB" dirty="0"/>
+          </a:p>
+          <a:p>
+            <a:r>
+              <a:rPr lang="en-GB" dirty="0">
+                <a:hlinkClick r:id="rId4"/>
+              </a:rPr>
+              <a:t>https://github.com/monalisa-prusty/I-AccessSearch</a:t>
+            </a:r>
+            <a:endParaRPr lang="en-GB" dirty="0"/>
+          </a:p>
+          <a:p>
+            <a:endParaRPr lang="en-GB" dirty="0"/>
           </a:p>
           <a:p>
             <a:endParaRPr lang="en-GB" dirty="0"/>
